--- a/RETEX/projet entreprise.pptx
+++ b/RETEX/projet entreprise.pptx
@@ -3225,7 +3225,7 @@
           <a:lstStyle/>
           <a:p>
             <a:r>
-              <a:rPr lang="fr-FR" sz="3600" b="1" dirty="0" smtClean="0">
+              <a:rPr lang="fr-FR" sz="3600" b="1" dirty="0">
                 <a:solidFill>
                   <a:schemeClr val="bg1"/>
                 </a:solidFill>
@@ -3316,7 +3316,7 @@
           <a:p>
             <a:pPr algn="ctr"/>
             <a:r>
-              <a:rPr lang="fr-FR" b="0" i="0" dirty="0" smtClean="0">
+              <a:rPr lang="fr-FR" b="0" i="0" dirty="0">
                 <a:solidFill>
                   <a:schemeClr val="bg1"/>
                 </a:solidFill>
@@ -3347,8 +3347,8 @@
         </p:nvSpPr>
         <p:spPr>
           <a:xfrm>
-            <a:off x="-38346" y="3955305"/>
-            <a:ext cx="6074763" cy="369332"/>
+            <a:off x="-4790" y="3955305"/>
+            <a:ext cx="6074763" cy="923330"/>
           </a:xfrm>
           <a:prstGeom prst="rect">
             <a:avLst/>
@@ -3372,13 +3372,8 @@
                 </a:solidFill>
                 <a:latin typeface="Poppins"/>
               </a:rPr>
-              <a:t>texte</a:t>
-            </a:r>
-            <a:endParaRPr lang="fr-FR" b="1" u="sng" dirty="0">
-              <a:solidFill>
-                <a:schemeClr val="bg1"/>
-              </a:solidFill>
-            </a:endParaRPr>
+              <a:t>Utilisation de Google afin de rechercher des informations et PowerPoint pour faire le compte rendu final du projet.</a:t>
+            </a:r>
           </a:p>
         </p:txBody>
       </p:sp>
@@ -3396,8 +3391,8 @@
         </p:nvSpPr>
         <p:spPr>
           <a:xfrm>
-            <a:off x="6071518" y="954913"/>
-            <a:ext cx="6074763" cy="369332"/>
+            <a:off x="6059277" y="1485481"/>
+            <a:ext cx="6074763" cy="923330"/>
           </a:xfrm>
           <a:prstGeom prst="rect">
             <a:avLst/>
@@ -3421,13 +3416,20 @@
                 </a:solidFill>
                 <a:latin typeface="Poppins"/>
               </a:rPr>
-              <a:t>texte</a:t>
-            </a:r>
-            <a:endParaRPr lang="fr-FR" b="1" u="sng" dirty="0">
-              <a:solidFill>
-                <a:schemeClr val="bg1"/>
-              </a:solidFill>
-            </a:endParaRPr>
+              <a:t>Apprendre a travailler en groupe autour d’un thème commun.</a:t>
+            </a:r>
+          </a:p>
+          <a:p>
+            <a:pPr algn="ctr"/>
+            <a:r>
+              <a:rPr lang="fr-FR" dirty="0">
+                <a:solidFill>
+                  <a:schemeClr val="bg1"/>
+                </a:solidFill>
+                <a:latin typeface="Poppins"/>
+              </a:rPr>
+              <a:t>Les tenants et les aboutissants d’un entreprise.</a:t>
+            </a:r>
           </a:p>
         </p:txBody>
       </p:sp>
@@ -3453,6 +3455,100 @@
           <a:prstGeom prst="rect">
             <a:avLst/>
           </a:prstGeom>
+        </p:spPr>
+      </p:pic>
+      <p:pic>
+        <p:nvPicPr>
+          <p:cNvPr id="1028" name="Picture 4" descr="Google Images PNG fond transparent | PNG Play">
+            <a:extLst>
+              <a:ext uri="{FF2B5EF4-FFF2-40B4-BE49-F238E27FC236}">
+                <a16:creationId xmlns:a16="http://schemas.microsoft.com/office/drawing/2014/main" id="{78190981-A446-47CC-AE66-1D2E84097B25}"/>
+              </a:ext>
+            </a:extLst>
+          </p:cNvPr>
+          <p:cNvPicPr>
+            <a:picLocks noChangeAspect="1" noChangeArrowheads="1"/>
+          </p:cNvPicPr>
+          <p:nvPr/>
+        </p:nvPicPr>
+        <p:blipFill>
+          <a:blip r:embed="rId3" cstate="print">
+            <a:extLst>
+              <a:ext uri="{28A0092B-C50C-407E-A947-70E740481C1C}">
+                <a14:useLocalDpi xmlns:a14="http://schemas.microsoft.com/office/drawing/2010/main" val="0"/>
+              </a:ext>
+            </a:extLst>
+          </a:blip>
+          <a:srcRect/>
+          <a:stretch>
+            <a:fillRect/>
+          </a:stretch>
+        </p:blipFill>
+        <p:spPr bwMode="auto">
+          <a:xfrm>
+            <a:off x="196335" y="4705153"/>
+            <a:ext cx="1951417" cy="1951417"/>
+          </a:xfrm>
+          <a:prstGeom prst="rect">
+            <a:avLst/>
+          </a:prstGeom>
+          <a:noFill/>
+          <a:extLst>
+            <a:ext uri="{909E8E84-426E-40DD-AFC4-6F175D3DCCD1}">
+              <a14:hiddenFill xmlns:a14="http://schemas.microsoft.com/office/drawing/2010/main">
+                <a:solidFill>
+                  <a:srgbClr val="FFFFFF"/>
+                </a:solidFill>
+              </a14:hiddenFill>
+            </a:ext>
+          </a:extLst>
+        </p:spPr>
+      </p:pic>
+      <p:pic>
+        <p:nvPicPr>
+          <p:cNvPr id="1030" name="Picture 6">
+            <a:extLst>
+              <a:ext uri="{FF2B5EF4-FFF2-40B4-BE49-F238E27FC236}">
+                <a16:creationId xmlns:a16="http://schemas.microsoft.com/office/drawing/2014/main" id="{E30D3C19-E942-42CD-8954-B15FA63261BC}"/>
+              </a:ext>
+            </a:extLst>
+          </p:cNvPr>
+          <p:cNvPicPr>
+            <a:picLocks noChangeAspect="1" noChangeArrowheads="1"/>
+          </p:cNvPicPr>
+          <p:nvPr/>
+        </p:nvPicPr>
+        <p:blipFill>
+          <a:blip r:embed="rId4" cstate="print">
+            <a:extLst>
+              <a:ext uri="{28A0092B-C50C-407E-A947-70E740481C1C}">
+                <a14:useLocalDpi xmlns:a14="http://schemas.microsoft.com/office/drawing/2010/main" val="0"/>
+              </a:ext>
+            </a:extLst>
+          </a:blip>
+          <a:srcRect/>
+          <a:stretch>
+            <a:fillRect/>
+          </a:stretch>
+        </p:blipFill>
+        <p:spPr bwMode="auto">
+          <a:xfrm>
+            <a:off x="3848789" y="4836755"/>
+            <a:ext cx="1949867" cy="1949867"/>
+          </a:xfrm>
+          <a:prstGeom prst="rect">
+            <a:avLst/>
+          </a:prstGeom>
+          <a:noFill/>
+          <a:extLst>
+            <a:ext uri="{909E8E84-426E-40DD-AFC4-6F175D3DCCD1}">
+              <a14:hiddenFill xmlns:a14="http://schemas.microsoft.com/office/drawing/2010/main">
+                <a:solidFill>
+                  <a:srgbClr val="FFFFFF"/>
+                </a:solidFill>
+              </a14:hiddenFill>
+            </a:ext>
+          </a:extLst>
         </p:spPr>
       </p:pic>
     </p:spTree>

--- a/RETEX/projet entreprise.pptx
+++ b/RETEX/projet entreprise.pptx
@@ -241,7 +241,7 @@
           <a:p>
             <a:fld id="{CB44C220-8036-4CA1-9847-CBEE47DB7BC6}" type="datetimeFigureOut">
               <a:rPr lang="fr-FR" smtClean="0"/>
-              <a:t>13/04/2022</a:t>
+              <a:t>14/04/2022</a:t>
             </a:fld>
             <a:endParaRPr lang="fr-FR"/>
           </a:p>
@@ -409,7 +409,7 @@
           <a:p>
             <a:fld id="{CB44C220-8036-4CA1-9847-CBEE47DB7BC6}" type="datetimeFigureOut">
               <a:rPr lang="fr-FR" smtClean="0"/>
-              <a:t>13/04/2022</a:t>
+              <a:t>14/04/2022</a:t>
             </a:fld>
             <a:endParaRPr lang="fr-FR"/>
           </a:p>
@@ -587,7 +587,7 @@
           <a:p>
             <a:fld id="{CB44C220-8036-4CA1-9847-CBEE47DB7BC6}" type="datetimeFigureOut">
               <a:rPr lang="fr-FR" smtClean="0"/>
-              <a:t>13/04/2022</a:t>
+              <a:t>14/04/2022</a:t>
             </a:fld>
             <a:endParaRPr lang="fr-FR"/>
           </a:p>
@@ -755,7 +755,7 @@
           <a:p>
             <a:fld id="{CB44C220-8036-4CA1-9847-CBEE47DB7BC6}" type="datetimeFigureOut">
               <a:rPr lang="fr-FR" smtClean="0"/>
-              <a:t>13/04/2022</a:t>
+              <a:t>14/04/2022</a:t>
             </a:fld>
             <a:endParaRPr lang="fr-FR"/>
           </a:p>
@@ -1000,7 +1000,7 @@
           <a:p>
             <a:fld id="{CB44C220-8036-4CA1-9847-CBEE47DB7BC6}" type="datetimeFigureOut">
               <a:rPr lang="fr-FR" smtClean="0"/>
-              <a:t>13/04/2022</a:t>
+              <a:t>14/04/2022</a:t>
             </a:fld>
             <a:endParaRPr lang="fr-FR"/>
           </a:p>
@@ -1229,7 +1229,7 @@
           <a:p>
             <a:fld id="{CB44C220-8036-4CA1-9847-CBEE47DB7BC6}" type="datetimeFigureOut">
               <a:rPr lang="fr-FR" smtClean="0"/>
-              <a:t>13/04/2022</a:t>
+              <a:t>14/04/2022</a:t>
             </a:fld>
             <a:endParaRPr lang="fr-FR"/>
           </a:p>
@@ -1593,7 +1593,7 @@
           <a:p>
             <a:fld id="{CB44C220-8036-4CA1-9847-CBEE47DB7BC6}" type="datetimeFigureOut">
               <a:rPr lang="fr-FR" smtClean="0"/>
-              <a:t>13/04/2022</a:t>
+              <a:t>14/04/2022</a:t>
             </a:fld>
             <a:endParaRPr lang="fr-FR"/>
           </a:p>
@@ -1710,7 +1710,7 @@
           <a:p>
             <a:fld id="{CB44C220-8036-4CA1-9847-CBEE47DB7BC6}" type="datetimeFigureOut">
               <a:rPr lang="fr-FR" smtClean="0"/>
-              <a:t>13/04/2022</a:t>
+              <a:t>14/04/2022</a:t>
             </a:fld>
             <a:endParaRPr lang="fr-FR"/>
           </a:p>
@@ -1805,7 +1805,7 @@
           <a:p>
             <a:fld id="{CB44C220-8036-4CA1-9847-CBEE47DB7BC6}" type="datetimeFigureOut">
               <a:rPr lang="fr-FR" smtClean="0"/>
-              <a:t>13/04/2022</a:t>
+              <a:t>14/04/2022</a:t>
             </a:fld>
             <a:endParaRPr lang="fr-FR"/>
           </a:p>
@@ -2080,7 +2080,7 @@
           <a:p>
             <a:fld id="{CB44C220-8036-4CA1-9847-CBEE47DB7BC6}" type="datetimeFigureOut">
               <a:rPr lang="fr-FR" smtClean="0"/>
-              <a:t>13/04/2022</a:t>
+              <a:t>14/04/2022</a:t>
             </a:fld>
             <a:endParaRPr lang="fr-FR"/>
           </a:p>
@@ -2332,7 +2332,7 @@
           <a:p>
             <a:fld id="{CB44C220-8036-4CA1-9847-CBEE47DB7BC6}" type="datetimeFigureOut">
               <a:rPr lang="fr-FR" smtClean="0"/>
-              <a:t>13/04/2022</a:t>
+              <a:t>14/04/2022</a:t>
             </a:fld>
             <a:endParaRPr lang="fr-FR"/>
           </a:p>
@@ -2543,7 +2543,7 @@
           <a:p>
             <a:fld id="{CB44C220-8036-4CA1-9847-CBEE47DB7BC6}" type="datetimeFigureOut">
               <a:rPr lang="fr-FR" smtClean="0"/>
-              <a:t>13/04/2022</a:t>
+              <a:t>14/04/2022</a:t>
             </a:fld>
             <a:endParaRPr lang="fr-FR"/>
           </a:p>
@@ -2936,9 +2936,15 @@
   <p:cSld>
     <p:bg>
       <p:bgPr>
-        <a:solidFill>
-          <a:schemeClr val="tx1"/>
-        </a:solidFill>
+        <a:blipFill dpi="0" rotWithShape="1">
+          <a:blip r:embed="rId2">
+            <a:lum/>
+          </a:blip>
+          <a:srcRect/>
+          <a:stretch>
+            <a:fillRect/>
+          </a:stretch>
+        </a:blipFill>
         <a:effectLst/>
       </p:bgPr>
     </p:bg>
@@ -3442,7 +3448,7 @@
           <p:nvPr/>
         </p:nvPicPr>
         <p:blipFill>
-          <a:blip r:embed="rId2"/>
+          <a:blip r:embed="rId3"/>
           <a:stretch>
             <a:fillRect/>
           </a:stretch>
@@ -3472,7 +3478,7 @@
           <p:nvPr/>
         </p:nvPicPr>
         <p:blipFill>
-          <a:blip r:embed="rId3" cstate="print">
+          <a:blip r:embed="rId4" cstate="print">
             <a:extLst>
               <a:ext uri="{28A0092B-C50C-407E-A947-70E740481C1C}">
                 <a14:useLocalDpi xmlns:a14="http://schemas.microsoft.com/office/drawing/2010/main" val="0"/>
@@ -3519,7 +3525,7 @@
           <p:nvPr/>
         </p:nvPicPr>
         <p:blipFill>
-          <a:blip r:embed="rId4" cstate="print">
+          <a:blip r:embed="rId5" cstate="print">
             <a:extLst>
               <a:ext uri="{28A0092B-C50C-407E-A947-70E740481C1C}">
                 <a14:useLocalDpi xmlns:a14="http://schemas.microsoft.com/office/drawing/2010/main" val="0"/>
